--- a/assets uarm/2023 2 UarmPCrit/depot/Taylor - Era Secular 3 y 5.pptx
+++ b/assets uarm/2023 2 UarmPCrit/depot/Taylor - Era Secular 3 y 5.pptx
@@ -290,7 +290,7 @@
           <a:p>
             <a:fld id="{C0E97E01-ED5A-4091-B4B5-A906FD824320}" type="datetimeFigureOut">
               <a:rPr lang="es-PE" smtClean="0"/>
-              <a:t>4/10/2023</a:t>
+              <a:t>5/12/2023</a:t>
             </a:fld>
             <a:endParaRPr lang="es-PE"/>
           </a:p>
@@ -460,7 +460,7 @@
           <a:p>
             <a:fld id="{C0E97E01-ED5A-4091-B4B5-A906FD824320}" type="datetimeFigureOut">
               <a:rPr lang="es-PE" smtClean="0"/>
-              <a:t>4/10/2023</a:t>
+              <a:t>5/12/2023</a:t>
             </a:fld>
             <a:endParaRPr lang="es-PE"/>
           </a:p>
@@ -640,7 +640,7 @@
           <a:p>
             <a:fld id="{C0E97E01-ED5A-4091-B4B5-A906FD824320}" type="datetimeFigureOut">
               <a:rPr lang="es-PE" smtClean="0"/>
-              <a:t>4/10/2023</a:t>
+              <a:t>5/12/2023</a:t>
             </a:fld>
             <a:endParaRPr lang="es-PE"/>
           </a:p>
@@ -810,7 +810,7 @@
           <a:p>
             <a:fld id="{C0E97E01-ED5A-4091-B4B5-A906FD824320}" type="datetimeFigureOut">
               <a:rPr lang="es-PE" smtClean="0"/>
-              <a:t>4/10/2023</a:t>
+              <a:t>5/12/2023</a:t>
             </a:fld>
             <a:endParaRPr lang="es-PE"/>
           </a:p>
@@ -1056,7 +1056,7 @@
           <a:p>
             <a:fld id="{C0E97E01-ED5A-4091-B4B5-A906FD824320}" type="datetimeFigureOut">
               <a:rPr lang="es-PE" smtClean="0"/>
-              <a:t>4/10/2023</a:t>
+              <a:t>5/12/2023</a:t>
             </a:fld>
             <a:endParaRPr lang="es-PE"/>
           </a:p>
@@ -1288,7 +1288,7 @@
           <a:p>
             <a:fld id="{C0E97E01-ED5A-4091-B4B5-A906FD824320}" type="datetimeFigureOut">
               <a:rPr lang="es-PE" smtClean="0"/>
-              <a:t>4/10/2023</a:t>
+              <a:t>5/12/2023</a:t>
             </a:fld>
             <a:endParaRPr lang="es-PE"/>
           </a:p>
@@ -1655,7 +1655,7 @@
           <a:p>
             <a:fld id="{C0E97E01-ED5A-4091-B4B5-A906FD824320}" type="datetimeFigureOut">
               <a:rPr lang="es-PE" smtClean="0"/>
-              <a:t>4/10/2023</a:t>
+              <a:t>5/12/2023</a:t>
             </a:fld>
             <a:endParaRPr lang="es-PE"/>
           </a:p>
@@ -1773,7 +1773,7 @@
           <a:p>
             <a:fld id="{C0E97E01-ED5A-4091-B4B5-A906FD824320}" type="datetimeFigureOut">
               <a:rPr lang="es-PE" smtClean="0"/>
-              <a:t>4/10/2023</a:t>
+              <a:t>5/12/2023</a:t>
             </a:fld>
             <a:endParaRPr lang="es-PE"/>
           </a:p>
@@ -1868,7 +1868,7 @@
           <a:p>
             <a:fld id="{C0E97E01-ED5A-4091-B4B5-A906FD824320}" type="datetimeFigureOut">
               <a:rPr lang="es-PE" smtClean="0"/>
-              <a:t>4/10/2023</a:t>
+              <a:t>5/12/2023</a:t>
             </a:fld>
             <a:endParaRPr lang="es-PE"/>
           </a:p>
@@ -2145,7 +2145,7 @@
           <a:p>
             <a:fld id="{C0E97E01-ED5A-4091-B4B5-A906FD824320}" type="datetimeFigureOut">
               <a:rPr lang="es-PE" smtClean="0"/>
-              <a:t>4/10/2023</a:t>
+              <a:t>5/12/2023</a:t>
             </a:fld>
             <a:endParaRPr lang="es-PE"/>
           </a:p>
@@ -2398,7 +2398,7 @@
           <a:p>
             <a:fld id="{C0E97E01-ED5A-4091-B4B5-A906FD824320}" type="datetimeFigureOut">
               <a:rPr lang="es-PE" smtClean="0"/>
-              <a:t>4/10/2023</a:t>
+              <a:t>5/12/2023</a:t>
             </a:fld>
             <a:endParaRPr lang="es-PE"/>
           </a:p>
@@ -2611,7 +2611,7 @@
           <a:p>
             <a:fld id="{C0E97E01-ED5A-4091-B4B5-A906FD824320}" type="datetimeFigureOut">
               <a:rPr lang="es-PE" smtClean="0"/>
-              <a:t>4/10/2023</a:t>
+              <a:t>5/12/2023</a:t>
             </a:fld>
             <a:endParaRPr lang="es-PE"/>
           </a:p>
@@ -20129,11 +20129,7 @@
             <a:pPr algn="ctr"/>
             <a:r>
               <a:rPr lang="es-PE" dirty="0" smtClean="0"/>
-              <a:t>Nuevas clases </a:t>
-            </a:r>
-            <a:r>
-              <a:rPr lang="es-PE" dirty="0" smtClean="0"/>
-              <a:t>sociales</a:t>
+              <a:t>Nuevas clases sociales</a:t>
             </a:r>
           </a:p>
           <a:p>
@@ -20751,8 +20747,8 @@
         </p:blipFill>
         <p:spPr>
           <a:xfrm>
-            <a:off x="923108" y="4147198"/>
-            <a:ext cx="10394939" cy="1500460"/>
+            <a:off x="2269467" y="4600395"/>
+            <a:ext cx="8567317" cy="1236651"/>
           </a:xfrm>
           <a:prstGeom prst="rect">
             <a:avLst/>
@@ -20839,7 +20835,7 @@
         </p:nvSpPr>
         <p:spPr>
           <a:xfrm>
-            <a:off x="5659821" y="4855779"/>
+            <a:off x="5870788" y="3676469"/>
             <a:ext cx="5658226" cy="362607"/>
           </a:xfrm>
           <a:prstGeom prst="rect">
@@ -20887,7 +20883,7 @@
         </p:nvSpPr>
         <p:spPr>
           <a:xfrm>
-            <a:off x="1150883" y="5281448"/>
+            <a:off x="958378" y="6309033"/>
             <a:ext cx="10167164" cy="751688"/>
           </a:xfrm>
           <a:prstGeom prst="rect">
